--- a/ResearchArticleRecommendation.pptx
+++ b/ResearchArticleRecommendation.pptx
@@ -287,6 +287,11 @@
       </a:defRPr>
     </a:lvl9pPr>
   </p:defaultTextStyle>
+  <p:extLst>
+    <p:ext uri="{EFAFB233-063F-42B5-8137-9DF3F51BA10A}">
+      <p15:sldGuideLst xmlns:p15="http://schemas.microsoft.com/office/powerpoint/2012/main"/>
+    </p:ext>
+  </p:extLst>
 </p:presentation>
 </file>
 
@@ -823,7 +828,7 @@
               </a:spcAft>
               <a:buNone/>
             </a:pPr>
-            <a:endParaRPr/>
+            <a:endParaRPr dirty="0"/>
           </a:p>
         </p:txBody>
       </p:sp>
@@ -918,15 +923,76 @@
           </a:bodyPr>
           <a:lstStyle/>
           <a:p>
-            <a:pPr marL="0" lvl="0" indent="0" algn="l" rtl="0">
-              <a:spcBef>
-                <a:spcPts val="0"/>
-              </a:spcBef>
-              <a:spcAft>
-                <a:spcPts val="0"/>
-              </a:spcAft>
-              <a:buNone/>
+            <a:pPr marL="171450" lvl="0" indent="-171450" algn="l" rtl="0">
+              <a:spcBef>
+                <a:spcPts val="0"/>
+              </a:spcBef>
+              <a:spcAft>
+                <a:spcPts val="0"/>
+              </a:spcAft>
             </a:pPr>
+            <a:r>
+              <a:rPr lang="en-US" dirty="0"/>
+              <a:t>The initial motivation of this project originates from the moment when I tries to find adequate citation in my PhD thesis, because writing introduction requires great amount of literature search and reading,</a:t>
+            </a:r>
+            <a:r>
+              <a:rPr lang="zh-CN" altLang="en-US" dirty="0"/>
+              <a:t> </a:t>
+            </a:r>
+            <a:r>
+              <a:rPr lang="en-US" altLang="zh-CN" dirty="0"/>
+              <a:t>which takes really large amount of time.</a:t>
+            </a:r>
+          </a:p>
+          <a:p>
+            <a:pPr marL="171450" lvl="0" indent="-171450" algn="l" rtl="0">
+              <a:spcBef>
+                <a:spcPts val="0"/>
+              </a:spcBef>
+              <a:spcAft>
+                <a:spcPts val="0"/>
+              </a:spcAft>
+            </a:pPr>
+            <a:r>
+              <a:rPr lang="en-US" dirty="0"/>
+              <a:t>So I think if there is a recommendation system which is embedded within the citation software, that would be great. Actually I haven’t seen similar product in those software like Mendeley, endnote, Zotero, </a:t>
+            </a:r>
+          </a:p>
+          <a:p>
+            <a:pPr marL="171450" lvl="0" indent="-171450" algn="l" rtl="0">
+              <a:spcBef>
+                <a:spcPts val="0"/>
+              </a:spcBef>
+              <a:spcAft>
+                <a:spcPts val="0"/>
+              </a:spcAft>
+            </a:pPr>
+            <a:r>
+              <a:rPr lang="en-US" dirty="0"/>
+              <a:t>I saw a similar one in </a:t>
+            </a:r>
+            <a:r>
+              <a:rPr lang="en-US" dirty="0" err="1"/>
+              <a:t>researchgate</a:t>
+            </a:r>
+            <a:r>
+              <a:rPr lang="en-US" dirty="0"/>
+              <a:t>. It provides the new research articles by feed which is related to user’s research topic. I benefit from it a lot because there are some interesting papers.</a:t>
+            </a:r>
+          </a:p>
+          <a:p>
+            <a:pPr marL="171450" lvl="0" indent="-171450" algn="l" rtl="0">
+              <a:spcBef>
+                <a:spcPts val="0"/>
+              </a:spcBef>
+              <a:spcAft>
+                <a:spcPts val="0"/>
+              </a:spcAft>
+            </a:pPr>
+            <a:r>
+              <a:rPr lang="en-US" dirty="0"/>
+              <a:t>This system would be similar and I think it would facilitate academic paper searching and broaden research’s view over the academic domain.</a:t>
+            </a:r>
             <a:endParaRPr dirty="0"/>
           </a:p>
         </p:txBody>
@@ -1476,7 +1542,7 @@
             <a:pPr lvl="1"/>
             <a:r>
               <a:rPr lang="en-US" dirty="0"/>
-              <a:t>The third example is related to physics at quantum scale. The recommended papers are somewhat similar as related to quantum physics, but they are absolutely studying different topics.</a:t>
+              <a:t>The third example is related to physics at quantum scale. The recommended papers are somewhat similar as related to quantum physics, but they are absolutely studying very different topics.</a:t>
             </a:r>
           </a:p>
         </p:txBody>
@@ -1588,15 +1654,7 @@
             </a:pPr>
             <a:r>
               <a:rPr lang="en-US" dirty="0"/>
-              <a:t>If I choose Bayesian regression for high dimensional datasets, the system can offers the paper only related to </a:t>
-            </a:r>
-            <a:r>
-              <a:rPr lang="en-US" dirty="0" err="1"/>
-              <a:t>baysian</a:t>
-            </a:r>
-            <a:r>
-              <a:rPr lang="en-US" dirty="0"/>
-              <a:t> regression at highest relevance, but not other data processing method.</a:t>
+              <a:t>If I choose principal components regression for high dimensional datasets, the system can offer the paper related to PCR at highest relevance, but not other data processing method.</a:t>
             </a:r>
             <a:endParaRPr dirty="0"/>
           </a:p>
@@ -5288,7 +5346,7 @@
         <p:spPr>
           <a:xfrm>
             <a:off x="12758" y="1422504"/>
-            <a:ext cx="4280948" cy="3450900"/>
+            <a:ext cx="4329626" cy="3450900"/>
           </a:xfrm>
           <a:prstGeom prst="rect">
             <a:avLst/>
@@ -5316,7 +5374,15 @@
                   <a:schemeClr val="dk2"/>
                 </a:solidFill>
               </a:rPr>
-              <a:t>Motivation: </a:t>
+              <a:t>Purpose: </a:t>
+            </a:r>
+            <a:r>
+              <a:rPr lang="en-US" sz="1800" dirty="0">
+                <a:solidFill>
+                  <a:schemeClr val="dk2"/>
+                </a:solidFill>
+              </a:rPr>
+              <a:t>Build a</a:t>
             </a:r>
             <a:r>
               <a:rPr lang="en-US" sz="1600" dirty="0">
@@ -5324,7 +5390,7 @@
                   <a:schemeClr val="dk2"/>
                 </a:solidFill>
               </a:rPr>
-              <a:t>A recommendation system can be embedded into academic citation software like Mendeley, Endnote, Zotero, etc.</a:t>
+              <a:t> recommendation system to be embedded into academic citation software like Mendeley, Endnote, Zotero, etc.</a:t>
             </a:r>
           </a:p>
           <a:p>
@@ -5361,7 +5427,7 @@
                   <a:schemeClr val="dk2"/>
                 </a:solidFill>
               </a:rPr>
-              <a:t>Purpose: </a:t>
+              <a:t>Function: </a:t>
             </a:r>
             <a:r>
               <a:rPr lang="en-US" sz="1600" dirty="0">
@@ -8892,7 +8958,7 @@
         <p:spPr>
           <a:xfrm>
             <a:off x="378221" y="4084430"/>
-            <a:ext cx="8594329" cy="523220"/>
+            <a:ext cx="8594329" cy="738664"/>
           </a:xfrm>
           <a:prstGeom prst="rect">
             <a:avLst/>
@@ -8942,6 +9008,68 @@
                 <a:latin typeface="Helvetica" pitchFamily="2" charset="0"/>
               </a:rPr>
               <a:t>14004 article abstracts.</a:t>
+            </a:r>
+          </a:p>
+          <a:p>
+            <a:pPr marL="285750" indent="-285750">
+              <a:buFont typeface="Arial" panose="020B0604020202020204" pitchFamily="34" charset="0"/>
+              <a:buChar char="•"/>
+            </a:pPr>
+            <a:r>
+              <a:rPr lang="en-US" b="1" dirty="0">
+                <a:effectLst/>
+                <a:latin typeface="Helvetica" pitchFamily="2" charset="0"/>
+              </a:rPr>
+              <a:t>Tool: </a:t>
+            </a:r>
+            <a:r>
+              <a:rPr lang="en-US" dirty="0">
+                <a:effectLst/>
+                <a:latin typeface="Helvetica" pitchFamily="2" charset="0"/>
+              </a:rPr>
+              <a:t>P</a:t>
+            </a:r>
+            <a:r>
+              <a:rPr lang="en-US" dirty="0">
+                <a:latin typeface="Helvetica" pitchFamily="2" charset="0"/>
+              </a:rPr>
+              <a:t>andas, </a:t>
+            </a:r>
+            <a:r>
+              <a:rPr lang="en-US" dirty="0" err="1">
+                <a:latin typeface="Helvetica" pitchFamily="2" charset="0"/>
+              </a:rPr>
+              <a:t>sklearns</a:t>
+            </a:r>
+            <a:r>
+              <a:rPr lang="en-US" dirty="0">
+                <a:latin typeface="Helvetica" pitchFamily="2" charset="0"/>
+              </a:rPr>
+              <a:t>, </a:t>
+            </a:r>
+            <a:r>
+              <a:rPr lang="en-US" dirty="0" err="1">
+                <a:latin typeface="Helvetica" pitchFamily="2" charset="0"/>
+              </a:rPr>
+              <a:t>nltk</a:t>
+            </a:r>
+            <a:r>
+              <a:rPr lang="en-US" dirty="0">
+                <a:latin typeface="Helvetica" pitchFamily="2" charset="0"/>
+              </a:rPr>
+              <a:t>, </a:t>
+            </a:r>
+            <a:r>
+              <a:rPr lang="en-US" dirty="0" err="1">
+                <a:latin typeface="Helvetica" pitchFamily="2" charset="0"/>
+              </a:rPr>
+              <a:t>numpy</a:t>
+            </a:r>
+            <a:r>
+              <a:rPr lang="en-US" dirty="0">
+                <a:latin typeface="Helvetica" pitchFamily="2" charset="0"/>
+              </a:rPr>
+              <a:t>.</a:t>
             </a:r>
             <a:endParaRPr lang="en-US" dirty="0">
               <a:effectLst/>
@@ -9035,8 +9163,8 @@
         </p:nvSpPr>
         <p:spPr>
           <a:xfrm>
-            <a:off x="475129" y="1166893"/>
-            <a:ext cx="8180983" cy="984637"/>
+            <a:off x="481508" y="1013149"/>
+            <a:ext cx="8727486" cy="984637"/>
           </a:xfrm>
           <a:prstGeom prst="rect">
             <a:avLst/>
@@ -9088,7 +9216,7 @@
                   <a:schemeClr val="dk2"/>
                 </a:solidFill>
               </a:rPr>
-              <a:t>Term Frequency-Inverse Document Frequency (TF-IDF)</a:t>
+              <a:t>Term Frequency-Inverse Document Frequency (TF-IDF); 1-3 grams; hyper parameters are tuned to exclude the word with too low or large frequencies;</a:t>
             </a:r>
             <a:endParaRPr lang="en-US" sz="1800" dirty="0">
               <a:solidFill>
@@ -9115,7 +9243,7 @@
                   <a:schemeClr val="dk2"/>
                 </a:solidFill>
               </a:rPr>
-              <a:t>Non-Negative Matrix Factorization (NMF)</a:t>
+              <a:t>Non-Negative Matrix Factorization (NMF).</a:t>
             </a:r>
             <a:endParaRPr sz="1600" dirty="0">
               <a:solidFill>
@@ -9562,7 +9690,7 @@
           <a:p>
             <a:r>
               <a:rPr lang="en-US" sz="1200" dirty="0"/>
-              <a:t>Network</a:t>
+              <a:t>Network theory</a:t>
             </a:r>
           </a:p>
         </p:txBody>
@@ -10128,8 +10256,8 @@
         </p:nvSpPr>
         <p:spPr>
           <a:xfrm>
-            <a:off x="0" y="1476372"/>
-            <a:ext cx="1034980" cy="307777"/>
+            <a:off x="-46996" y="1482085"/>
+            <a:ext cx="1113576" cy="738664"/>
           </a:xfrm>
           <a:prstGeom prst="rect">
             <a:avLst/>
@@ -10144,7 +10272,7 @@
           <a:p>
             <a:r>
               <a:rPr lang="en-US" dirty="0"/>
-              <a:t>Document</a:t>
+              <a:t>Documents(Research articles)</a:t>
             </a:r>
           </a:p>
         </p:txBody>
@@ -10242,7 +10370,7 @@
         <p:spPr>
           <a:xfrm>
             <a:off x="906493" y="566369"/>
-            <a:ext cx="7129305" cy="584775"/>
+            <a:ext cx="7404588" cy="584775"/>
           </a:xfrm>
           <a:prstGeom prst="rect">
             <a:avLst/>
@@ -10257,7 +10385,7 @@
           <a:p>
             <a:r>
               <a:rPr lang="en-US" sz="1600" b="1" dirty="0"/>
-              <a:t>Recommendation system is built using the cosine similarity based on the topic scores:</a:t>
+              <a:t>Recommendation system is built using cosine similarity computed based on the topic scores (obtained by NMF):</a:t>
             </a:r>
           </a:p>
         </p:txBody>
@@ -11312,7 +11440,7 @@
         </p:nvSpPr>
         <p:spPr>
           <a:xfrm>
-            <a:off x="315818" y="1572123"/>
+            <a:off x="315818" y="1128503"/>
             <a:ext cx="8512363" cy="1521597"/>
           </a:xfrm>
           <a:prstGeom prst="rect">
@@ -11408,7 +11536,114 @@
                   <a:schemeClr val="dk2"/>
                 </a:solidFill>
               </a:rPr>
-              <a:t>Specific research topic are not related in the recommended papers.</a:t>
+              <a:t>Specific research topic or direction are not related in the recommended papers, much because the topic modeling is not refined enough.</a:t>
+            </a:r>
+          </a:p>
+        </p:txBody>
+      </p:sp>
+      <p:pic>
+        <p:nvPicPr>
+          <p:cNvPr id="2" name="Picture 1">
+            <a:extLst>
+              <a:ext uri="{FF2B5EF4-FFF2-40B4-BE49-F238E27FC236}">
+                <a16:creationId xmlns:a16="http://schemas.microsoft.com/office/drawing/2014/main" id="{9749AC6D-CB71-CF46-6B22-5ADE30B4DB45}"/>
+              </a:ext>
+            </a:extLst>
+          </p:cNvPr>
+          <p:cNvPicPr>
+            <a:picLocks noChangeAspect="1"/>
+          </p:cNvPicPr>
+          <p:nvPr/>
+        </p:nvPicPr>
+        <p:blipFill>
+          <a:blip r:embed="rId3"/>
+          <a:stretch>
+            <a:fillRect/>
+          </a:stretch>
+        </p:blipFill>
+        <p:spPr>
+          <a:xfrm>
+            <a:off x="720000" y="2819400"/>
+            <a:ext cx="2965648" cy="2324100"/>
+          </a:xfrm>
+          <a:prstGeom prst="rect">
+            <a:avLst/>
+          </a:prstGeom>
+        </p:spPr>
+      </p:pic>
+      <p:cxnSp>
+        <p:nvCxnSpPr>
+          <p:cNvPr id="4" name="Straight Arrow Connector 3">
+            <a:extLst>
+              <a:ext uri="{FF2B5EF4-FFF2-40B4-BE49-F238E27FC236}">
+                <a16:creationId xmlns:a16="http://schemas.microsoft.com/office/drawing/2014/main" id="{BDDAC809-B8CD-4EF6-703A-8D86A80C99F6}"/>
+              </a:ext>
+            </a:extLst>
+          </p:cNvPr>
+          <p:cNvCxnSpPr/>
+          <p:nvPr/>
+        </p:nvCxnSpPr>
+        <p:spPr>
+          <a:xfrm>
+            <a:off x="3856776" y="4014997"/>
+            <a:ext cx="1892174" cy="0"/>
+          </a:xfrm>
+          <a:prstGeom prst="straightConnector1">
+            <a:avLst/>
+          </a:prstGeom>
+          <a:ln>
+            <a:solidFill>
+              <a:schemeClr val="bg2"/>
+            </a:solidFill>
+            <a:tailEnd type="triangle"/>
+          </a:ln>
+        </p:spPr>
+        <p:style>
+          <a:lnRef idx="1">
+            <a:schemeClr val="accent1"/>
+          </a:lnRef>
+          <a:fillRef idx="0">
+            <a:schemeClr val="accent1"/>
+          </a:fillRef>
+          <a:effectRef idx="0">
+            <a:schemeClr val="accent1"/>
+          </a:effectRef>
+          <a:fontRef idx="minor">
+            <a:schemeClr val="tx1"/>
+          </a:fontRef>
+        </p:style>
+      </p:cxnSp>
+      <p:sp>
+        <p:nvSpPr>
+          <p:cNvPr id="5" name="TextBox 4">
+            <a:extLst>
+              <a:ext uri="{FF2B5EF4-FFF2-40B4-BE49-F238E27FC236}">
+                <a16:creationId xmlns:a16="http://schemas.microsoft.com/office/drawing/2014/main" id="{15E9B1E2-279D-4013-BBCF-E36B22C39D0F}"/>
+              </a:ext>
+            </a:extLst>
+          </p:cNvPr>
+          <p:cNvSpPr txBox="1"/>
+          <p:nvPr/>
+        </p:nvSpPr>
+        <p:spPr>
+          <a:xfrm>
+            <a:off x="5812325" y="3612118"/>
+            <a:ext cx="2860896" cy="738664"/>
+          </a:xfrm>
+          <a:prstGeom prst="rect">
+            <a:avLst/>
+          </a:prstGeom>
+          <a:noFill/>
+        </p:spPr>
+        <p:txBody>
+          <a:bodyPr wrap="square" rtlCol="0">
+            <a:spAutoFit/>
+          </a:bodyPr>
+          <a:lstStyle/>
+          <a:p>
+            <a:r>
+              <a:rPr lang="en-US" dirty="0"/>
+              <a:t>Most relevant recommended paper should be about principal components regression.</a:t>
             </a:r>
           </a:p>
         </p:txBody>
